--- a/Parcial 1/Practica2.pptx
+++ b/Parcial 1/Practica2.pptx
@@ -105,6 +105,11 @@
       </a:defRPr>
     </a:lvl9pPr>
   </p:defaultTextStyle>
+  <p:extLst>
+    <p:ext uri="{EFAFB233-063F-42B5-8137-9DF3F51BA10A}">
+      <p15:sldGuideLst xmlns:p15="http://schemas.microsoft.com/office/powerpoint/2012/main"/>
+    </p:ext>
+  </p:extLst>
 </p:presentation>
 </file>
 
@@ -830,7 +835,7 @@
           <a:p>
             <a:fld id="{A9932DA8-CCCF-4457-B671-575D7C825E93}" type="datetimeFigureOut">
               <a:rPr lang="es-MX" smtClean="0"/>
-              <a:t>13/02/2025</a:t>
+              <a:t>18/02/2025</a:t>
             </a:fld>
             <a:endParaRPr lang="es-MX"/>
           </a:p>
@@ -1081,7 +1086,7 @@
           <a:p>
             <a:fld id="{A9932DA8-CCCF-4457-B671-575D7C825E93}" type="datetimeFigureOut">
               <a:rPr lang="es-MX" smtClean="0"/>
-              <a:t>13/02/2025</a:t>
+              <a:t>18/02/2025</a:t>
             </a:fld>
             <a:endParaRPr lang="es-MX"/>
           </a:p>
@@ -1395,7 +1400,7 @@
           <a:p>
             <a:fld id="{A9932DA8-CCCF-4457-B671-575D7C825E93}" type="datetimeFigureOut">
               <a:rPr lang="es-MX" smtClean="0"/>
-              <a:t>13/02/2025</a:t>
+              <a:t>18/02/2025</a:t>
             </a:fld>
             <a:endParaRPr lang="es-MX"/>
           </a:p>
@@ -1736,7 +1741,7 @@
           <a:p>
             <a:fld id="{A9932DA8-CCCF-4457-B671-575D7C825E93}" type="datetimeFigureOut">
               <a:rPr lang="es-MX" smtClean="0"/>
-              <a:t>13/02/2025</a:t>
+              <a:t>18/02/2025</a:t>
             </a:fld>
             <a:endParaRPr lang="es-MX"/>
           </a:p>
@@ -2050,7 +2055,7 @@
           <a:p>
             <a:fld id="{A9932DA8-CCCF-4457-B671-575D7C825E93}" type="datetimeFigureOut">
               <a:rPr lang="es-MX" smtClean="0"/>
-              <a:t>13/02/2025</a:t>
+              <a:t>18/02/2025</a:t>
             </a:fld>
             <a:endParaRPr lang="es-MX"/>
           </a:p>
@@ -2443,7 +2448,7 @@
           <a:p>
             <a:fld id="{A9932DA8-CCCF-4457-B671-575D7C825E93}" type="datetimeFigureOut">
               <a:rPr lang="es-MX" smtClean="0"/>
-              <a:t>13/02/2025</a:t>
+              <a:t>18/02/2025</a:t>
             </a:fld>
             <a:endParaRPr lang="es-MX"/>
           </a:p>
@@ -2613,7 +2618,7 @@
           <a:p>
             <a:fld id="{A9932DA8-CCCF-4457-B671-575D7C825E93}" type="datetimeFigureOut">
               <a:rPr lang="es-MX" smtClean="0"/>
-              <a:t>13/02/2025</a:t>
+              <a:t>18/02/2025</a:t>
             </a:fld>
             <a:endParaRPr lang="es-MX"/>
           </a:p>
@@ -2793,7 +2798,7 @@
           <a:p>
             <a:fld id="{A9932DA8-CCCF-4457-B671-575D7C825E93}" type="datetimeFigureOut">
               <a:rPr lang="es-MX" smtClean="0"/>
-              <a:t>13/02/2025</a:t>
+              <a:t>18/02/2025</a:t>
             </a:fld>
             <a:endParaRPr lang="es-MX"/>
           </a:p>
@@ -2969,7 +2974,7 @@
           <a:p>
             <a:fld id="{A9932DA8-CCCF-4457-B671-575D7C825E93}" type="datetimeFigureOut">
               <a:rPr lang="es-MX" smtClean="0"/>
-              <a:t>13/02/2025</a:t>
+              <a:t>18/02/2025</a:t>
             </a:fld>
             <a:endParaRPr lang="es-MX"/>
           </a:p>
@@ -3216,7 +3221,7 @@
           <a:p>
             <a:fld id="{A9932DA8-CCCF-4457-B671-575D7C825E93}" type="datetimeFigureOut">
               <a:rPr lang="es-MX" smtClean="0"/>
-              <a:t>13/02/2025</a:t>
+              <a:t>18/02/2025</a:t>
             </a:fld>
             <a:endParaRPr lang="es-MX"/>
           </a:p>
@@ -3448,7 +3453,7 @@
           <a:p>
             <a:fld id="{A9932DA8-CCCF-4457-B671-575D7C825E93}" type="datetimeFigureOut">
               <a:rPr lang="es-MX" smtClean="0"/>
-              <a:t>13/02/2025</a:t>
+              <a:t>18/02/2025</a:t>
             </a:fld>
             <a:endParaRPr lang="es-MX"/>
           </a:p>
@@ -3822,7 +3827,7 @@
           <a:p>
             <a:fld id="{A9932DA8-CCCF-4457-B671-575D7C825E93}" type="datetimeFigureOut">
               <a:rPr lang="es-MX" smtClean="0"/>
-              <a:t>13/02/2025</a:t>
+              <a:t>18/02/2025</a:t>
             </a:fld>
             <a:endParaRPr lang="es-MX"/>
           </a:p>
@@ -3945,7 +3950,7 @@
           <a:p>
             <a:fld id="{A9932DA8-CCCF-4457-B671-575D7C825E93}" type="datetimeFigureOut">
               <a:rPr lang="es-MX" smtClean="0"/>
-              <a:t>13/02/2025</a:t>
+              <a:t>18/02/2025</a:t>
             </a:fld>
             <a:endParaRPr lang="es-MX"/>
           </a:p>
@@ -4040,7 +4045,7 @@
           <a:p>
             <a:fld id="{A9932DA8-CCCF-4457-B671-575D7C825E93}" type="datetimeFigureOut">
               <a:rPr lang="es-MX" smtClean="0"/>
-              <a:t>13/02/2025</a:t>
+              <a:t>18/02/2025</a:t>
             </a:fld>
             <a:endParaRPr lang="es-MX"/>
           </a:p>
@@ -4295,7 +4300,7 @@
           <a:p>
             <a:fld id="{A9932DA8-CCCF-4457-B671-575D7C825E93}" type="datetimeFigureOut">
               <a:rPr lang="es-MX" smtClean="0"/>
-              <a:t>13/02/2025</a:t>
+              <a:t>18/02/2025</a:t>
             </a:fld>
             <a:endParaRPr lang="es-MX"/>
           </a:p>
@@ -4558,7 +4563,7 @@
           <a:p>
             <a:fld id="{A9932DA8-CCCF-4457-B671-575D7C825E93}" type="datetimeFigureOut">
               <a:rPr lang="es-MX" smtClean="0"/>
-              <a:t>13/02/2025</a:t>
+              <a:t>18/02/2025</a:t>
             </a:fld>
             <a:endParaRPr lang="es-MX"/>
           </a:p>
@@ -5301,7 +5306,7 @@
           <a:p>
             <a:fld id="{A9932DA8-CCCF-4457-B671-575D7C825E93}" type="datetimeFigureOut">
               <a:rPr lang="es-MX" smtClean="0"/>
-              <a:t>13/02/2025</a:t>
+              <a:t>18/02/2025</a:t>
             </a:fld>
             <a:endParaRPr lang="es-MX"/>
           </a:p>
@@ -5827,6 +5832,46 @@
       </p:grpSpPr>
       <p:sp>
         <p:nvSpPr>
+          <p:cNvPr id="3" name="Rectángulo 2"/>
+          <p:cNvSpPr/>
+          <p:nvPr/>
+        </p:nvSpPr>
+        <p:spPr>
+          <a:xfrm>
+            <a:off x="4391891" y="3441554"/>
+            <a:ext cx="2521527" cy="2543610"/>
+          </a:xfrm>
+          <a:prstGeom prst="rect">
+            <a:avLst/>
+          </a:prstGeom>
+        </p:spPr>
+        <p:style>
+          <a:lnRef idx="2">
+            <a:schemeClr val="accent1">
+              <a:shade val="50000"/>
+            </a:schemeClr>
+          </a:lnRef>
+          <a:fillRef idx="1">
+            <a:schemeClr val="accent1"/>
+          </a:fillRef>
+          <a:effectRef idx="0">
+            <a:schemeClr val="accent1"/>
+          </a:effectRef>
+          <a:fontRef idx="minor">
+            <a:schemeClr val="lt1"/>
+          </a:fontRef>
+        </p:style>
+        <p:txBody>
+          <a:bodyPr rtlCol="0" anchor="ctr"/>
+          <a:lstStyle/>
+          <a:p>
+            <a:pPr algn="ctr"/>
+            <a:endParaRPr lang="es-MX"/>
+          </a:p>
+        </p:txBody>
+      </p:sp>
+      <p:sp>
+        <p:nvSpPr>
           <p:cNvPr id="4" name="CuadroTexto 3"/>
           <p:cNvSpPr txBox="1"/>
           <p:nvPr/>
@@ -5886,20 +5931,12 @@
           <a:lstStyle/>
           <a:p>
             <a:r>
-              <a:rPr lang="es-MX" sz="8800" dirty="0" err="1" smtClean="0">
+              <a:rPr lang="es-MX" sz="8800" dirty="0" smtClean="0">
                 <a:solidFill>
                   <a:schemeClr val="accent1"/>
                 </a:solidFill>
               </a:rPr>
-              <a:t>Bibliografia</a:t>
-            </a:r>
-            <a:r>
-              <a:rPr lang="es-MX" sz="8800" dirty="0">
-                <a:solidFill>
-                  <a:schemeClr val="accent1"/>
-                </a:solidFill>
-              </a:rPr>
-              <a:t> </a:t>
+              <a:t>Bibliografía </a:t>
             </a:r>
             <a:r>
               <a:rPr lang="es-MX" sz="8800" dirty="0" smtClean="0">
@@ -5917,6 +5954,36 @@
           </a:p>
         </p:txBody>
       </p:sp>
+      <p:pic>
+        <p:nvPicPr>
+          <p:cNvPr id="2" name="Imagen 1"/>
+          <p:cNvPicPr>
+            <a:picLocks noChangeAspect="1"/>
+          </p:cNvPicPr>
+          <p:nvPr/>
+        </p:nvPicPr>
+        <p:blipFill>
+          <a:blip r:embed="rId2">
+            <a:extLst>
+              <a:ext uri="{28A0092B-C50C-407E-A947-70E740481C1C}">
+                <a14:useLocalDpi xmlns:a14="http://schemas.microsoft.com/office/drawing/2010/main" val="0"/>
+              </a:ext>
+            </a:extLst>
+          </a:blip>
+          <a:stretch>
+            <a:fillRect/>
+          </a:stretch>
+        </p:blipFill>
+        <p:spPr>
+          <a:xfrm>
+            <a:off x="4568536" y="3621665"/>
+            <a:ext cx="2057400" cy="2219325"/>
+          </a:xfrm>
+          <a:prstGeom prst="rect">
+            <a:avLst/>
+          </a:prstGeom>
+        </p:spPr>
+      </p:pic>
     </p:spTree>
     <p:extLst>
       <p:ext uri="{BB962C8B-B14F-4D97-AF65-F5344CB8AC3E}">
@@ -5949,6 +6016,126 @@
       </p:grpSpPr>
       <p:sp>
         <p:nvSpPr>
+          <p:cNvPr id="8" name="Rectángulo 7"/>
+          <p:cNvSpPr/>
+          <p:nvPr/>
+        </p:nvSpPr>
+        <p:spPr>
+          <a:xfrm>
+            <a:off x="8797636" y="4807529"/>
+            <a:ext cx="2895599" cy="2050471"/>
+          </a:xfrm>
+          <a:prstGeom prst="rect">
+            <a:avLst/>
+          </a:prstGeom>
+        </p:spPr>
+        <p:style>
+          <a:lnRef idx="2">
+            <a:schemeClr val="accent1">
+              <a:shade val="50000"/>
+            </a:schemeClr>
+          </a:lnRef>
+          <a:fillRef idx="1">
+            <a:schemeClr val="accent1"/>
+          </a:fillRef>
+          <a:effectRef idx="0">
+            <a:schemeClr val="accent1"/>
+          </a:effectRef>
+          <a:fontRef idx="minor">
+            <a:schemeClr val="lt1"/>
+          </a:fontRef>
+        </p:style>
+        <p:txBody>
+          <a:bodyPr rtlCol="0" anchor="ctr"/>
+          <a:lstStyle/>
+          <a:p>
+            <a:pPr algn="ctr"/>
+            <a:endParaRPr lang="es-MX"/>
+          </a:p>
+        </p:txBody>
+      </p:sp>
+      <p:sp>
+        <p:nvSpPr>
+          <p:cNvPr id="6" name="Rectángulo 5"/>
+          <p:cNvSpPr/>
+          <p:nvPr/>
+        </p:nvSpPr>
+        <p:spPr>
+          <a:xfrm>
+            <a:off x="7619999" y="138545"/>
+            <a:ext cx="2701636" cy="2089872"/>
+          </a:xfrm>
+          <a:prstGeom prst="rect">
+            <a:avLst/>
+          </a:prstGeom>
+        </p:spPr>
+        <p:style>
+          <a:lnRef idx="2">
+            <a:schemeClr val="accent1">
+              <a:shade val="50000"/>
+            </a:schemeClr>
+          </a:lnRef>
+          <a:fillRef idx="1">
+            <a:schemeClr val="accent1"/>
+          </a:fillRef>
+          <a:effectRef idx="0">
+            <a:schemeClr val="accent1"/>
+          </a:effectRef>
+          <a:fontRef idx="minor">
+            <a:schemeClr val="lt1"/>
+          </a:fontRef>
+        </p:style>
+        <p:txBody>
+          <a:bodyPr rtlCol="0" anchor="ctr"/>
+          <a:lstStyle/>
+          <a:p>
+            <a:pPr algn="ctr"/>
+            <a:endParaRPr lang="es-MX"/>
+          </a:p>
+        </p:txBody>
+      </p:sp>
+      <p:sp>
+        <p:nvSpPr>
+          <p:cNvPr id="4" name="Rectángulo 3"/>
+          <p:cNvSpPr/>
+          <p:nvPr/>
+        </p:nvSpPr>
+        <p:spPr>
+          <a:xfrm>
+            <a:off x="7800108" y="2549235"/>
+            <a:ext cx="2521527" cy="2230583"/>
+          </a:xfrm>
+          <a:prstGeom prst="rect">
+            <a:avLst/>
+          </a:prstGeom>
+        </p:spPr>
+        <p:style>
+          <a:lnRef idx="2">
+            <a:schemeClr val="accent1">
+              <a:shade val="50000"/>
+            </a:schemeClr>
+          </a:lnRef>
+          <a:fillRef idx="1">
+            <a:schemeClr val="accent1"/>
+          </a:fillRef>
+          <a:effectRef idx="0">
+            <a:schemeClr val="accent1"/>
+          </a:effectRef>
+          <a:fontRef idx="minor">
+            <a:schemeClr val="lt1"/>
+          </a:fontRef>
+        </p:style>
+        <p:txBody>
+          <a:bodyPr rtlCol="0" anchor="ctr"/>
+          <a:lstStyle/>
+          <a:p>
+            <a:pPr algn="ctr"/>
+            <a:endParaRPr lang="es-MX"/>
+          </a:p>
+        </p:txBody>
+      </p:sp>
+      <p:sp>
+        <p:nvSpPr>
           <p:cNvPr id="2" name="CuadroTexto 1"/>
           <p:cNvSpPr txBox="1"/>
           <p:nvPr/>
@@ -5956,7 +6143,7 @@
         <p:spPr>
           <a:xfrm>
             <a:off x="1302326" y="457200"/>
-            <a:ext cx="6317673" cy="4154984"/>
+            <a:ext cx="6317673" cy="5632311"/>
           </a:xfrm>
           <a:prstGeom prst="rect">
             <a:avLst/>
@@ -5970,14 +6157,34 @@
           <a:lstStyle/>
           <a:p>
             <a:r>
+              <a:rPr lang="es-MX" sz="2400" dirty="0" smtClean="0">
+                <a:solidFill>
+                  <a:srgbClr val="92D050"/>
+                </a:solidFill>
+              </a:rPr>
+              <a:t>Mi nombre completo es: </a:t>
+            </a:r>
+            <a:r>
               <a:rPr lang="es-MX" sz="2400" dirty="0" smtClean="0"/>
-              <a:t>Mi nombre completo es: Luis Santiago Carrasco Cota</a:t>
-            </a:r>
-          </a:p>
-          <a:p>
+              <a:t>Luis Santiago Carrasco Cota</a:t>
+            </a:r>
+          </a:p>
+          <a:p>
+            <a:r>
+              <a:rPr lang="es-MX" sz="2400" dirty="0" smtClean="0">
+                <a:solidFill>
+                  <a:srgbClr val="92D050"/>
+                </a:solidFill>
+              </a:rPr>
+              <a:t>Cuantos años tengo: </a:t>
+            </a:r>
             <a:r>
               <a:rPr lang="es-MX" sz="2400" dirty="0" smtClean="0"/>
-              <a:t>Tengo 15 años</a:t>
+              <a:t>tengo </a:t>
+            </a:r>
+            <a:r>
+              <a:rPr lang="es-MX" sz="2400" dirty="0" smtClean="0"/>
+              <a:t>15 años</a:t>
             </a:r>
           </a:p>
           <a:p>
@@ -5988,8 +6195,28 @@
           </a:p>
           <a:p>
             <a:r>
+              <a:rPr lang="es-MX" sz="2400" dirty="0" smtClean="0">
+                <a:solidFill>
+                  <a:srgbClr val="92D050"/>
+                </a:solidFill>
+              </a:rPr>
+              <a:t>Que me gusta hacer en mis tiempos </a:t>
+            </a:r>
+            <a:r>
+              <a:rPr lang="es-MX" sz="2400" dirty="0" smtClean="0">
+                <a:solidFill>
+                  <a:srgbClr val="92D050"/>
+                </a:solidFill>
+              </a:rPr>
+              <a:t>libres: </a:t>
+            </a:r>
+            <a:r>
               <a:rPr lang="es-MX" sz="2400" dirty="0" smtClean="0"/>
-              <a:t>Me gusta dibujar, hacer animaciones en digital</a:t>
+              <a:t>Me </a:t>
+            </a:r>
+            <a:r>
+              <a:rPr lang="es-MX" sz="2400" dirty="0" smtClean="0"/>
+              <a:t>gusta dibujar, hacer animaciones en digital</a:t>
             </a:r>
           </a:p>
           <a:p>
@@ -6020,13 +6247,153 @@
           </a:p>
           <a:p>
             <a:r>
+              <a:rPr lang="es-MX" sz="2400" dirty="0" smtClean="0">
+                <a:solidFill>
+                  <a:srgbClr val="92D050"/>
+                </a:solidFill>
+              </a:rPr>
+              <a:t>Cual </a:t>
+            </a:r>
+            <a:r>
+              <a:rPr lang="es-MX" sz="2400" dirty="0" smtClean="0">
+                <a:solidFill>
+                  <a:srgbClr val="92D050"/>
+                </a:solidFill>
+              </a:rPr>
+              <a:t>es mi animal favorito: </a:t>
+            </a:r>
+            <a:r>
               <a:rPr lang="es-MX" sz="2400" dirty="0" smtClean="0"/>
-              <a:t>Mi animal favorito es el animación</a:t>
+              <a:t>Mi </a:t>
+            </a:r>
+            <a:r>
+              <a:rPr lang="es-MX" sz="2400" dirty="0" smtClean="0"/>
+              <a:t>animal favorito es el </a:t>
+            </a:r>
+            <a:r>
+              <a:rPr lang="es-MX" sz="2400" dirty="0" smtClean="0"/>
+              <a:t>animación</a:t>
+            </a:r>
+          </a:p>
+          <a:p>
+            <a:r>
+              <a:rPr lang="es-MX" sz="2400" dirty="0" smtClean="0">
+                <a:solidFill>
+                  <a:srgbClr val="92D050"/>
+                </a:solidFill>
+              </a:rPr>
+              <a:t>Cual es mi película favorita: </a:t>
+            </a:r>
+            <a:r>
+              <a:rPr lang="es-MX" sz="2400" dirty="0" smtClean="0"/>
+              <a:t>mi película favorita es la saga de películas de </a:t>
+            </a:r>
+            <a:r>
+              <a:rPr lang="es-MX" sz="2400" dirty="0" err="1" smtClean="0"/>
+              <a:t>toy</a:t>
+            </a:r>
+            <a:r>
+              <a:rPr lang="es-MX" sz="2400" dirty="0" smtClean="0"/>
+              <a:t> </a:t>
+            </a:r>
+            <a:r>
+              <a:rPr lang="es-MX" sz="2400" dirty="0" err="1" smtClean="0"/>
+              <a:t>story</a:t>
             </a:r>
             <a:endParaRPr lang="es-MX" sz="2400" dirty="0"/>
           </a:p>
         </p:txBody>
       </p:sp>
+      <p:pic>
+        <p:nvPicPr>
+          <p:cNvPr id="3" name="Imagen 2"/>
+          <p:cNvPicPr>
+            <a:picLocks noChangeAspect="1"/>
+          </p:cNvPicPr>
+          <p:nvPr/>
+        </p:nvPicPr>
+        <p:blipFill>
+          <a:blip r:embed="rId2">
+            <a:extLst>
+              <a:ext uri="{28A0092B-C50C-407E-A947-70E740481C1C}">
+                <a14:useLocalDpi xmlns:a14="http://schemas.microsoft.com/office/drawing/2010/main" val="0"/>
+              </a:ext>
+            </a:extLst>
+          </a:blip>
+          <a:stretch>
+            <a:fillRect/>
+          </a:stretch>
+        </p:blipFill>
+        <p:spPr>
+          <a:xfrm>
+            <a:off x="7894060" y="2697307"/>
+            <a:ext cx="2333625" cy="1962150"/>
+          </a:xfrm>
+          <a:prstGeom prst="rect">
+            <a:avLst/>
+          </a:prstGeom>
+        </p:spPr>
+      </p:pic>
+      <p:pic>
+        <p:nvPicPr>
+          <p:cNvPr id="5" name="Imagen 4"/>
+          <p:cNvPicPr>
+            <a:picLocks noChangeAspect="1"/>
+          </p:cNvPicPr>
+          <p:nvPr/>
+        </p:nvPicPr>
+        <p:blipFill>
+          <a:blip r:embed="rId3">
+            <a:extLst>
+              <a:ext uri="{28A0092B-C50C-407E-A947-70E740481C1C}">
+                <a14:useLocalDpi xmlns:a14="http://schemas.microsoft.com/office/drawing/2010/main" val="0"/>
+              </a:ext>
+            </a:extLst>
+          </a:blip>
+          <a:stretch>
+            <a:fillRect/>
+          </a:stretch>
+        </p:blipFill>
+        <p:spPr>
+          <a:xfrm>
+            <a:off x="7760710" y="246784"/>
+            <a:ext cx="2466975" cy="1847850"/>
+          </a:xfrm>
+          <a:prstGeom prst="rect">
+            <a:avLst/>
+          </a:prstGeom>
+        </p:spPr>
+      </p:pic>
+      <p:pic>
+        <p:nvPicPr>
+          <p:cNvPr id="7" name="Imagen 6"/>
+          <p:cNvPicPr>
+            <a:picLocks noChangeAspect="1"/>
+          </p:cNvPicPr>
+          <p:nvPr/>
+        </p:nvPicPr>
+        <p:blipFill>
+          <a:blip r:embed="rId4">
+            <a:extLst>
+              <a:ext uri="{28A0092B-C50C-407E-A947-70E740481C1C}">
+                <a14:useLocalDpi xmlns:a14="http://schemas.microsoft.com/office/drawing/2010/main" val="0"/>
+              </a:ext>
+            </a:extLst>
+          </a:blip>
+          <a:stretch>
+            <a:fillRect/>
+          </a:stretch>
+        </p:blipFill>
+        <p:spPr>
+          <a:xfrm>
+            <a:off x="8917997" y="4986301"/>
+            <a:ext cx="2619375" cy="1743075"/>
+          </a:xfrm>
+          <a:prstGeom prst="rect">
+            <a:avLst/>
+          </a:prstGeom>
+        </p:spPr>
+      </p:pic>
     </p:spTree>
     <p:extLst>
       <p:ext uri="{BB962C8B-B14F-4D97-AF65-F5344CB8AC3E}">
